--- a/Diseño de experiencias/Diseño De Experiencias - Semana 5.pptx
+++ b/Diseño de experiencias/Diseño De Experiencias - Semana 5.pptx
@@ -112,6 +112,35 @@
 </p:presentation>
 </file>
 
+<file path=ppt/changesInfos/changesInfo1.xml><?xml version="1.0" encoding="utf-8"?>
+<pc:chgInfo xmlns:a="http://schemas.openxmlformats.org/drawingml/2006/main" xmlns:r="http://schemas.openxmlformats.org/officeDocument/2006/relationships" xmlns:ac="http://schemas.microsoft.com/office/drawing/2013/main/command" xmlns:pc="http://schemas.microsoft.com/office/powerpoint/2013/main/command">
+  <pc:docChgLst>
+    <pc:chgData name="EMILY ANDREA PORRAS MOLINA" userId="b1ca5eb6-b469-4697-bede-2a617d873338" providerId="ADAL" clId="{72606A32-13D1-43B4-82C7-7141F492F5FF}"/>
+    <pc:docChg chg="undo custSel modSld">
+      <pc:chgData name="EMILY ANDREA PORRAS MOLINA" userId="b1ca5eb6-b469-4697-bede-2a617d873338" providerId="ADAL" clId="{72606A32-13D1-43B4-82C7-7141F492F5FF}" dt="2022-11-12T05:13:12.041" v="164" actId="20577"/>
+      <pc:docMkLst>
+        <pc:docMk/>
+      </pc:docMkLst>
+      <pc:sldChg chg="modSp mod">
+        <pc:chgData name="EMILY ANDREA PORRAS MOLINA" userId="b1ca5eb6-b469-4697-bede-2a617d873338" providerId="ADAL" clId="{72606A32-13D1-43B4-82C7-7141F492F5FF}" dt="2022-11-12T05:13:12.041" v="164" actId="20577"/>
+        <pc:sldMkLst>
+          <pc:docMk/>
+          <pc:sldMk cId="3477798122" sldId="256"/>
+        </pc:sldMkLst>
+        <pc:graphicFrameChg chg="mod modGraphic">
+          <ac:chgData name="EMILY ANDREA PORRAS MOLINA" userId="b1ca5eb6-b469-4697-bede-2a617d873338" providerId="ADAL" clId="{72606A32-13D1-43B4-82C7-7141F492F5FF}" dt="2022-11-12T05:13:12.041" v="164" actId="20577"/>
+          <ac:graphicFrameMkLst>
+            <pc:docMk/>
+            <pc:sldMk cId="3477798122" sldId="256"/>
+            <ac:graphicFrameMk id="4" creationId="{348E63F4-357E-11F2-4370-440920FD1524}"/>
+          </ac:graphicFrameMkLst>
+        </pc:graphicFrameChg>
+      </pc:sldChg>
+    </pc:docChg>
+  </pc:docChgLst>
+</pc:chgInfo>
+</file>
+
 <file path=ppt/slideLayouts/slideLayout1.xml><?xml version="1.0" encoding="utf-8"?>
 <p:sldLayout xmlns:a="http://schemas.openxmlformats.org/drawingml/2006/main" xmlns:r="http://schemas.openxmlformats.org/officeDocument/2006/relationships" xmlns:p="http://schemas.openxmlformats.org/presentationml/2006/main" type="title" preserve="1">
   <p:cSld name="Diapositiva de título">
@@ -261,7 +290,7 @@
           <a:p>
             <a:fld id="{E7F13026-1634-48B4-92AF-4ED621312C62}" type="datetimeFigureOut">
               <a:rPr lang="es-MX" smtClean="0"/>
-              <a:t>16/09/2022</a:t>
+              <a:t>11/11/2022</a:t>
             </a:fld>
             <a:endParaRPr lang="es-MX"/>
           </a:p>
@@ -461,7 +490,7 @@
           <a:p>
             <a:fld id="{E7F13026-1634-48B4-92AF-4ED621312C62}" type="datetimeFigureOut">
               <a:rPr lang="es-MX" smtClean="0"/>
-              <a:t>16/09/2022</a:t>
+              <a:t>11/11/2022</a:t>
             </a:fld>
             <a:endParaRPr lang="es-MX"/>
           </a:p>
@@ -671,7 +700,7 @@
           <a:p>
             <a:fld id="{E7F13026-1634-48B4-92AF-4ED621312C62}" type="datetimeFigureOut">
               <a:rPr lang="es-MX" smtClean="0"/>
-              <a:t>16/09/2022</a:t>
+              <a:t>11/11/2022</a:t>
             </a:fld>
             <a:endParaRPr lang="es-MX"/>
           </a:p>
@@ -871,7 +900,7 @@
           <a:p>
             <a:fld id="{E7F13026-1634-48B4-92AF-4ED621312C62}" type="datetimeFigureOut">
               <a:rPr lang="es-MX" smtClean="0"/>
-              <a:t>16/09/2022</a:t>
+              <a:t>11/11/2022</a:t>
             </a:fld>
             <a:endParaRPr lang="es-MX"/>
           </a:p>
@@ -1147,7 +1176,7 @@
           <a:p>
             <a:fld id="{E7F13026-1634-48B4-92AF-4ED621312C62}" type="datetimeFigureOut">
               <a:rPr lang="es-MX" smtClean="0"/>
-              <a:t>16/09/2022</a:t>
+              <a:t>11/11/2022</a:t>
             </a:fld>
             <a:endParaRPr lang="es-MX"/>
           </a:p>
@@ -1415,7 +1444,7 @@
           <a:p>
             <a:fld id="{E7F13026-1634-48B4-92AF-4ED621312C62}" type="datetimeFigureOut">
               <a:rPr lang="es-MX" smtClean="0"/>
-              <a:t>16/09/2022</a:t>
+              <a:t>11/11/2022</a:t>
             </a:fld>
             <a:endParaRPr lang="es-MX"/>
           </a:p>
@@ -1830,7 +1859,7 @@
           <a:p>
             <a:fld id="{E7F13026-1634-48B4-92AF-4ED621312C62}" type="datetimeFigureOut">
               <a:rPr lang="es-MX" smtClean="0"/>
-              <a:t>16/09/2022</a:t>
+              <a:t>11/11/2022</a:t>
             </a:fld>
             <a:endParaRPr lang="es-MX"/>
           </a:p>
@@ -1972,7 +2001,7 @@
           <a:p>
             <a:fld id="{E7F13026-1634-48B4-92AF-4ED621312C62}" type="datetimeFigureOut">
               <a:rPr lang="es-MX" smtClean="0"/>
-              <a:t>16/09/2022</a:t>
+              <a:t>11/11/2022</a:t>
             </a:fld>
             <a:endParaRPr lang="es-MX"/>
           </a:p>
@@ -2085,7 +2114,7 @@
           <a:p>
             <a:fld id="{E7F13026-1634-48B4-92AF-4ED621312C62}" type="datetimeFigureOut">
               <a:rPr lang="es-MX" smtClean="0"/>
-              <a:t>16/09/2022</a:t>
+              <a:t>11/11/2022</a:t>
             </a:fld>
             <a:endParaRPr lang="es-MX"/>
           </a:p>
@@ -2398,7 +2427,7 @@
           <a:p>
             <a:fld id="{E7F13026-1634-48B4-92AF-4ED621312C62}" type="datetimeFigureOut">
               <a:rPr lang="es-MX" smtClean="0"/>
-              <a:t>16/09/2022</a:t>
+              <a:t>11/11/2022</a:t>
             </a:fld>
             <a:endParaRPr lang="es-MX"/>
           </a:p>
@@ -2687,7 +2716,7 @@
           <a:p>
             <a:fld id="{E7F13026-1634-48B4-92AF-4ED621312C62}" type="datetimeFigureOut">
               <a:rPr lang="es-MX" smtClean="0"/>
-              <a:t>16/09/2022</a:t>
+              <a:t>11/11/2022</a:t>
             </a:fld>
             <a:endParaRPr lang="es-MX"/>
           </a:p>
@@ -2930,7 +2959,7 @@
           <a:p>
             <a:fld id="{E7F13026-1634-48B4-92AF-4ED621312C62}" type="datetimeFigureOut">
               <a:rPr lang="es-MX" smtClean="0"/>
-              <a:t>16/09/2022</a:t>
+              <a:t>11/11/2022</a:t>
             </a:fld>
             <a:endParaRPr lang="es-MX"/>
           </a:p>
@@ -3362,13 +3391,13 @@
           <p:nvPr>
             <p:extLst>
               <p:ext uri="{D42A27DB-BD31-4B8C-83A1-F6EECF244321}">
-                <p14:modId xmlns:p14="http://schemas.microsoft.com/office/powerpoint/2010/main" val="3521651253"/>
+                <p14:modId xmlns:p14="http://schemas.microsoft.com/office/powerpoint/2010/main" val="1446410229"/>
               </p:ext>
             </p:extLst>
           </p:nvPr>
         </p:nvGraphicFramePr>
         <p:xfrm>
-          <a:off x="0" y="1"/>
+          <a:off x="-21" y="1"/>
           <a:ext cx="12192021" cy="6522694"/>
         </p:xfrm>
         <a:graphic>
@@ -4004,12 +4033,20 @@
                     <a:p>
                       <a:pPr algn="ctr"/>
                       <a:r>
+                        <a:rPr lang="es-GT" b="1" dirty="0">
+                          <a:solidFill>
+                            <a:schemeClr val="bg1"/>
+                          </a:solidFill>
+                        </a:rPr>
+                        <a:t>24 de </a:t>
+                      </a:r>
+                      <a:r>
                         <a:rPr lang="es-GT" b="1">
                           <a:solidFill>
                             <a:schemeClr val="bg1"/>
                           </a:solidFill>
                         </a:rPr>
-                        <a:t>10 </a:t>
+                        <a:t>sep </a:t>
                       </a:r>
                       <a:r>
                         <a:rPr lang="es-GT" b="1" dirty="0">
@@ -4017,23 +4054,7 @@
                             <a:schemeClr val="bg1"/>
                           </a:solidFill>
                         </a:rPr>
-                        <a:t>de </a:t>
-                      </a:r>
-                      <a:r>
-                        <a:rPr lang="es-GT" b="1" dirty="0" err="1">
-                          <a:solidFill>
-                            <a:schemeClr val="bg1"/>
-                          </a:solidFill>
-                        </a:rPr>
-                        <a:t>sep</a:t>
-                      </a:r>
-                      <a:r>
-                        <a:rPr lang="es-GT" b="1" dirty="0">
-                          <a:solidFill>
-                            <a:schemeClr val="bg1"/>
-                          </a:solidFill>
-                        </a:rPr>
-                        <a:t> 2022</a:t>
+                        <a:t>2022</a:t>
                       </a:r>
                       <a:endParaRPr lang="es-MX" b="1" dirty="0">
                         <a:solidFill>
@@ -4297,7 +4318,29 @@
                           <a:ea typeface="+mn-ea"/>
                           <a:cs typeface="+mn-cs"/>
                         </a:rPr>
-                        <a:t>estructurar mi series de pasos a llevar a cabo con orden cronológico, preciso y ordenado.</a:t>
+                        <a:t>estructurar mi series de pasos a llevar a </a:t>
+                      </a:r>
+                      <a:r>
+                        <a:rPr lang="es-MX" sz="1800" kern="1200">
+                          <a:solidFill>
+                            <a:schemeClr val="dk1"/>
+                          </a:solidFill>
+                          <a:latin typeface="+mn-lt"/>
+                          <a:ea typeface="+mn-ea"/>
+                          <a:cs typeface="+mn-cs"/>
+                        </a:rPr>
+                        <a:t>zzcabo</a:t>
+                      </a:r>
+                      <a:r>
+                        <a:rPr lang="es-MX" sz="1800" kern="1200" dirty="0">
+                          <a:solidFill>
+                            <a:schemeClr val="dk1"/>
+                          </a:solidFill>
+                          <a:latin typeface="+mn-lt"/>
+                          <a:ea typeface="+mn-ea"/>
+                          <a:cs typeface="+mn-cs"/>
+                        </a:rPr>
+                        <a:t> con orden cronológico, preciso y ordenado.</a:t>
                       </a:r>
                     </a:p>
                   </a:txBody>
@@ -4999,18 +5042,7 @@
                             <a:schemeClr val="dk1"/>
                           </a:solidFill>
                         </a:rPr>
-                        <a:t>Pensamientos lógicos en diferentes</a:t>
-                      </a:r>
-                    </a:p>
-                    <a:p>
-                      <a:pPr marL="0" algn="l" defTabSz="914400" rtl="0" eaLnBrk="1" latinLnBrk="0" hangingPunct="1"/>
-                      <a:r>
-                        <a:rPr lang="es-MX" sz="1800" kern="1200" dirty="0">
-                          <a:solidFill>
-                            <a:schemeClr val="dk1"/>
-                          </a:solidFill>
-                        </a:rPr>
-                        <a:t>Situaciones como la actividad de lagos</a:t>
+                        <a:t>Pensamientos lógicos y planteamientos de problemas.</a:t>
                       </a:r>
                       <a:endParaRPr lang="es-MX" sz="1800" kern="1200" dirty="0">
                         <a:solidFill>
@@ -5137,8 +5169,13 @@
                       </a:r>
                       <a:r>
                         <a:rPr lang="es-MX" dirty="0"/>
-                        <a:t>Pensamiento divergente y convergente en variedad de situaciones.</a:t>
+                        <a:t>Estructura de un </a:t>
                       </a:r>
+                      <a:r>
+                        <a:rPr lang="es-MX"/>
+                        <a:t>programa secuencial.</a:t>
+                      </a:r>
+                      <a:endParaRPr lang="es-MX" dirty="0"/>
                     </a:p>
                   </a:txBody>
                   <a:tcPr anchor="ctr">
